--- a/大会流程.pptx
+++ b/大会流程.pptx
@@ -109,6 +109,11 @@
       </a:defRPr>
     </a:lvl9pPr>
   </p:defaultTextStyle>
+  <p:extLst>
+    <p:ext uri="{EFAFB233-063F-42B5-8137-9DF3F51BA10A}">
+      <p15:sldGuideLst xmlns:p15="http://schemas.microsoft.com/office/powerpoint/2012/main"/>
+    </p:ext>
+  </p:extLst>
 </p:presentation>
 </file>
 
@@ -162,7 +167,7 @@
           <a:noFill/>
           <a:extLst>
             <a:ext uri="{909E8E84-426E-40dd-AFC4-6F175D3DCCD1}">
-              <a14:hiddenFill xmlns:a14="http://schemas.microsoft.com/office/drawing/2010/main" xmlns="">
+              <a14:hiddenFill xmlns="" xmlns:a14="http://schemas.microsoft.com/office/drawing/2010/main">
                 <a:solidFill>
                   <a:srgbClr val="FFFFFF"/>
                 </a:solidFill>
@@ -222,7 +227,7 @@
             </a:ln>
             <a:extLst>
               <a:ext uri="{91240B29-F687-4f45-9708-019B960494DF}">
-                <a14:hiddenLine xmlns:a14="http://schemas.microsoft.com/office/drawing/2010/main" xmlns="" w="9525">
+                <a14:hiddenLine xmlns="" xmlns:a14="http://schemas.microsoft.com/office/drawing/2010/main" w="9525">
                   <a:solidFill>
                     <a:srgbClr val="000000"/>
                   </a:solidFill>
@@ -312,7 +317,7 @@
             </a:ln>
             <a:extLst>
               <a:ext uri="{91240B29-F687-4f45-9708-019B960494DF}">
-                <a14:hiddenLine xmlns:a14="http://schemas.microsoft.com/office/drawing/2010/main" xmlns="" w="9525">
+                <a14:hiddenLine xmlns="" xmlns:a14="http://schemas.microsoft.com/office/drawing/2010/main" w="9525">
                   <a:solidFill>
                     <a:srgbClr val="000000"/>
                   </a:solidFill>
@@ -402,7 +407,7 @@
             </a:ln>
             <a:extLst>
               <a:ext uri="{91240B29-F687-4f45-9708-019B960494DF}">
-                <a14:hiddenLine xmlns:a14="http://schemas.microsoft.com/office/drawing/2010/main" xmlns="" w="9525">
+                <a14:hiddenLine xmlns="" xmlns:a14="http://schemas.microsoft.com/office/drawing/2010/main" w="9525">
                   <a:solidFill>
                     <a:srgbClr val="000000"/>
                   </a:solidFill>
@@ -436,7 +441,7 @@
             </a:ln>
             <a:extLst>
               <a:ext uri="{91240B29-F687-4f45-9708-019B960494DF}">
-                <a14:hiddenLine xmlns:a14="http://schemas.microsoft.com/office/drawing/2010/main" xmlns="" w="9525">
+                <a14:hiddenLine xmlns="" xmlns:a14="http://schemas.microsoft.com/office/drawing/2010/main" w="9525">
                   <a:solidFill>
                     <a:srgbClr val="000000"/>
                   </a:solidFill>
@@ -526,7 +531,7 @@
             </a:ln>
             <a:extLst>
               <a:ext uri="{91240B29-F687-4f45-9708-019B960494DF}">
-                <a14:hiddenLine xmlns:a14="http://schemas.microsoft.com/office/drawing/2010/main" xmlns="" w="9525">
+                <a14:hiddenLine xmlns="" xmlns:a14="http://schemas.microsoft.com/office/drawing/2010/main" w="9525">
                   <a:solidFill>
                     <a:srgbClr val="000000"/>
                   </a:solidFill>
@@ -588,7 +593,7 @@
             </a:ln>
             <a:extLst>
               <a:ext uri="{91240B29-F687-4f45-9708-019B960494DF}">
-                <a14:hiddenLine xmlns:a14="http://schemas.microsoft.com/office/drawing/2010/main" xmlns="" w="9525">
+                <a14:hiddenLine xmlns="" xmlns:a14="http://schemas.microsoft.com/office/drawing/2010/main" w="9525">
                   <a:solidFill>
                     <a:srgbClr val="000000"/>
                   </a:solidFill>
@@ -650,7 +655,7 @@
             </a:ln>
             <a:extLst>
               <a:ext uri="{91240B29-F687-4f45-9708-019B960494DF}">
-                <a14:hiddenLine xmlns:a14="http://schemas.microsoft.com/office/drawing/2010/main" xmlns="" w="9525">
+                <a14:hiddenLine xmlns="" xmlns:a14="http://schemas.microsoft.com/office/drawing/2010/main" w="9525">
                   <a:solidFill>
                     <a:srgbClr val="000000"/>
                   </a:solidFill>
@@ -740,7 +745,7 @@
             </a:ln>
             <a:extLst>
               <a:ext uri="{91240B29-F687-4f45-9708-019B960494DF}">
-                <a14:hiddenLine xmlns:a14="http://schemas.microsoft.com/office/drawing/2010/main" xmlns="" w="9525">
+                <a14:hiddenLine xmlns="" xmlns:a14="http://schemas.microsoft.com/office/drawing/2010/main" w="9525">
                   <a:solidFill>
                     <a:srgbClr val="000000"/>
                   </a:solidFill>
@@ -802,7 +807,7 @@
             </a:ln>
             <a:extLst>
               <a:ext uri="{91240B29-F687-4f45-9708-019B960494DF}">
-                <a14:hiddenLine xmlns:a14="http://schemas.microsoft.com/office/drawing/2010/main" xmlns="" w="9525">
+                <a14:hiddenLine xmlns="" xmlns:a14="http://schemas.microsoft.com/office/drawing/2010/main" w="9525">
                   <a:solidFill>
                     <a:srgbClr val="000000"/>
                   </a:solidFill>
@@ -864,7 +869,7 @@
             </a:ln>
             <a:extLst>
               <a:ext uri="{91240B29-F687-4f45-9708-019B960494DF}">
-                <a14:hiddenLine xmlns:a14="http://schemas.microsoft.com/office/drawing/2010/main" xmlns="" w="9525">
+                <a14:hiddenLine xmlns="" xmlns:a14="http://schemas.microsoft.com/office/drawing/2010/main" w="9525">
                   <a:solidFill>
                     <a:srgbClr val="000000"/>
                   </a:solidFill>
@@ -954,7 +959,7 @@
             </a:ln>
             <a:extLst>
               <a:ext uri="{91240B29-F687-4f45-9708-019B960494DF}">
-                <a14:hiddenLine xmlns:a14="http://schemas.microsoft.com/office/drawing/2010/main" xmlns="" w="9525">
+                <a14:hiddenLine xmlns="" xmlns:a14="http://schemas.microsoft.com/office/drawing/2010/main" w="9525">
                   <a:solidFill>
                     <a:srgbClr val="000000"/>
                   </a:solidFill>
@@ -1044,7 +1049,7 @@
             </a:ln>
             <a:extLst>
               <a:ext uri="{91240B29-F687-4f45-9708-019B960494DF}">
-                <a14:hiddenLine xmlns:a14="http://schemas.microsoft.com/office/drawing/2010/main" xmlns="" w="9525">
+                <a14:hiddenLine xmlns="" xmlns:a14="http://schemas.microsoft.com/office/drawing/2010/main" w="9525">
                   <a:solidFill>
                     <a:srgbClr val="000000"/>
                   </a:solidFill>
@@ -1106,7 +1111,7 @@
             </a:ln>
             <a:extLst>
               <a:ext uri="{91240B29-F687-4f45-9708-019B960494DF}">
-                <a14:hiddenLine xmlns:a14="http://schemas.microsoft.com/office/drawing/2010/main" xmlns="" w="9525">
+                <a14:hiddenLine xmlns="" xmlns:a14="http://schemas.microsoft.com/office/drawing/2010/main" w="9525">
                   <a:solidFill>
                     <a:srgbClr val="000000"/>
                   </a:solidFill>
@@ -1216,7 +1221,7 @@
             </a:ln>
             <a:extLst>
               <a:ext uri="{91240B29-F687-4f45-9708-019B960494DF}">
-                <a14:hiddenLine xmlns:a14="http://schemas.microsoft.com/office/drawing/2010/main" xmlns="" w="9525">
+                <a14:hiddenLine xmlns="" xmlns:a14="http://schemas.microsoft.com/office/drawing/2010/main" w="9525">
                   <a:solidFill>
                     <a:srgbClr val="000000"/>
                   </a:solidFill>
@@ -1278,7 +1283,7 @@
             </a:ln>
             <a:extLst>
               <a:ext uri="{91240B29-F687-4f45-9708-019B960494DF}">
-                <a14:hiddenLine xmlns:a14="http://schemas.microsoft.com/office/drawing/2010/main" xmlns="" w="9525">
+                <a14:hiddenLine xmlns="" xmlns:a14="http://schemas.microsoft.com/office/drawing/2010/main" w="9525">
                   <a:solidFill>
                     <a:srgbClr val="000000"/>
                   </a:solidFill>
@@ -1368,7 +1373,7 @@
             </a:ln>
             <a:extLst>
               <a:ext uri="{91240B29-F687-4f45-9708-019B960494DF}">
-                <a14:hiddenLine xmlns:a14="http://schemas.microsoft.com/office/drawing/2010/main" xmlns="" w="9525">
+                <a14:hiddenLine xmlns="" xmlns:a14="http://schemas.microsoft.com/office/drawing/2010/main" w="9525">
                   <a:solidFill>
                     <a:srgbClr val="000000"/>
                   </a:solidFill>
@@ -1458,7 +1463,7 @@
             </a:ln>
             <a:extLst>
               <a:ext uri="{91240B29-F687-4f45-9708-019B960494DF}">
-                <a14:hiddenLine xmlns:a14="http://schemas.microsoft.com/office/drawing/2010/main" xmlns="" w="9525">
+                <a14:hiddenLine xmlns="" xmlns:a14="http://schemas.microsoft.com/office/drawing/2010/main" w="9525">
                   <a:solidFill>
                     <a:srgbClr val="000000"/>
                   </a:solidFill>
@@ -1520,7 +1525,7 @@
             </a:ln>
             <a:extLst>
               <a:ext uri="{91240B29-F687-4f45-9708-019B960494DF}">
-                <a14:hiddenLine xmlns:a14="http://schemas.microsoft.com/office/drawing/2010/main" xmlns="" w="9525">
+                <a14:hiddenLine xmlns="" xmlns:a14="http://schemas.microsoft.com/office/drawing/2010/main" w="9525">
                   <a:solidFill>
                     <a:srgbClr val="000000"/>
                   </a:solidFill>
@@ -1610,7 +1615,7 @@
             </a:ln>
             <a:extLst>
               <a:ext uri="{91240B29-F687-4f45-9708-019B960494DF}">
-                <a14:hiddenLine xmlns:a14="http://schemas.microsoft.com/office/drawing/2010/main" xmlns="" w="9525">
+                <a14:hiddenLine xmlns="" xmlns:a14="http://schemas.microsoft.com/office/drawing/2010/main" w="9525">
                   <a:solidFill>
                     <a:srgbClr val="000000"/>
                   </a:solidFill>
@@ -1700,7 +1705,7 @@
             </a:ln>
             <a:extLst>
               <a:ext uri="{91240B29-F687-4f45-9708-019B960494DF}">
-                <a14:hiddenLine xmlns:a14="http://schemas.microsoft.com/office/drawing/2010/main" xmlns="" w="9525">
+                <a14:hiddenLine xmlns="" xmlns:a14="http://schemas.microsoft.com/office/drawing/2010/main" w="9525">
                   <a:solidFill>
                     <a:srgbClr val="000000"/>
                   </a:solidFill>
@@ -1756,7 +1761,7 @@
             </a:ln>
             <a:extLst>
               <a:ext uri="{91240B29-F687-4f45-9708-019B960494DF}">
-                <a14:hiddenLine xmlns:a14="http://schemas.microsoft.com/office/drawing/2010/main" xmlns="" w="9525">
+                <a14:hiddenLine xmlns="" xmlns:a14="http://schemas.microsoft.com/office/drawing/2010/main" w="9525">
                   <a:solidFill>
                     <a:srgbClr val="000000"/>
                   </a:solidFill>
@@ -1846,7 +1851,7 @@
             </a:ln>
             <a:extLst>
               <a:ext uri="{91240B29-F687-4f45-9708-019B960494DF}">
-                <a14:hiddenLine xmlns:a14="http://schemas.microsoft.com/office/drawing/2010/main" xmlns="" w="9525">
+                <a14:hiddenLine xmlns="" xmlns:a14="http://schemas.microsoft.com/office/drawing/2010/main" w="9525">
                   <a:solidFill>
                     <a:srgbClr val="000000"/>
                   </a:solidFill>
@@ -1902,7 +1907,7 @@
             </a:ln>
             <a:extLst>
               <a:ext uri="{91240B29-F687-4f45-9708-019B960494DF}">
-                <a14:hiddenLine xmlns:a14="http://schemas.microsoft.com/office/drawing/2010/main" xmlns="" w="9525">
+                <a14:hiddenLine xmlns="" xmlns:a14="http://schemas.microsoft.com/office/drawing/2010/main" w="9525">
                   <a:solidFill>
                     <a:srgbClr val="000000"/>
                   </a:solidFill>
@@ -1992,7 +1997,7 @@
             </a:ln>
             <a:extLst>
               <a:ext uri="{91240B29-F687-4f45-9708-019B960494DF}">
-                <a14:hiddenLine xmlns:a14="http://schemas.microsoft.com/office/drawing/2010/main" xmlns="" w="9525">
+                <a14:hiddenLine xmlns="" xmlns:a14="http://schemas.microsoft.com/office/drawing/2010/main" w="9525">
                   <a:solidFill>
                     <a:srgbClr val="000000"/>
                   </a:solidFill>
@@ -2060,7 +2065,7 @@
             </a:ln>
             <a:extLst>
               <a:ext uri="{91240B29-F687-4f45-9708-019B960494DF}">
-                <a14:hiddenLine xmlns:a14="http://schemas.microsoft.com/office/drawing/2010/main" xmlns="" w="9525">
+                <a14:hiddenLine xmlns="" xmlns:a14="http://schemas.microsoft.com/office/drawing/2010/main" w="9525">
                   <a:solidFill>
                     <a:srgbClr val="000000"/>
                   </a:solidFill>
@@ -2150,7 +2155,7 @@
             </a:ln>
             <a:extLst>
               <a:ext uri="{91240B29-F687-4f45-9708-019B960494DF}">
-                <a14:hiddenLine xmlns:a14="http://schemas.microsoft.com/office/drawing/2010/main" xmlns="" w="9525">
+                <a14:hiddenLine xmlns="" xmlns:a14="http://schemas.microsoft.com/office/drawing/2010/main" w="9525">
                   <a:solidFill>
                     <a:srgbClr val="000000"/>
                   </a:solidFill>
@@ -2218,7 +2223,7 @@
             </a:ln>
             <a:extLst>
               <a:ext uri="{91240B29-F687-4f45-9708-019B960494DF}">
-                <a14:hiddenLine xmlns:a14="http://schemas.microsoft.com/office/drawing/2010/main" xmlns="" w="9525">
+                <a14:hiddenLine xmlns="" xmlns:a14="http://schemas.microsoft.com/office/drawing/2010/main" w="9525">
                   <a:solidFill>
                     <a:srgbClr val="000000"/>
                   </a:solidFill>
@@ -2308,7 +2313,7 @@
             </a:ln>
             <a:extLst>
               <a:ext uri="{91240B29-F687-4f45-9708-019B960494DF}">
-                <a14:hiddenLine xmlns:a14="http://schemas.microsoft.com/office/drawing/2010/main" xmlns="" w="9525">
+                <a14:hiddenLine xmlns="" xmlns:a14="http://schemas.microsoft.com/office/drawing/2010/main" w="9525">
                   <a:solidFill>
                     <a:srgbClr val="000000"/>
                   </a:solidFill>
@@ -2342,7 +2347,7 @@
             </a:ln>
             <a:extLst>
               <a:ext uri="{91240B29-F687-4f45-9708-019B960494DF}">
-                <a14:hiddenLine xmlns:a14="http://schemas.microsoft.com/office/drawing/2010/main" xmlns="" w="9525">
+                <a14:hiddenLine xmlns="" xmlns:a14="http://schemas.microsoft.com/office/drawing/2010/main" w="9525">
                   <a:solidFill>
                     <a:srgbClr val="000000"/>
                   </a:solidFill>
@@ -2432,7 +2437,7 @@
             </a:ln>
             <a:extLst>
               <a:ext uri="{91240B29-F687-4f45-9708-019B960494DF}">
-                <a14:hiddenLine xmlns:a14="http://schemas.microsoft.com/office/drawing/2010/main" xmlns="" w="9525">
+                <a14:hiddenLine xmlns="" xmlns:a14="http://schemas.microsoft.com/office/drawing/2010/main" w="9525">
                   <a:solidFill>
                     <a:srgbClr val="000000"/>
                   </a:solidFill>
@@ -2494,7 +2499,7 @@
             </a:ln>
             <a:extLst>
               <a:ext uri="{91240B29-F687-4f45-9708-019B960494DF}">
-                <a14:hiddenLine xmlns:a14="http://schemas.microsoft.com/office/drawing/2010/main" xmlns="" w="9525">
+                <a14:hiddenLine xmlns="" xmlns:a14="http://schemas.microsoft.com/office/drawing/2010/main" w="9525">
                   <a:solidFill>
                     <a:srgbClr val="000000"/>
                   </a:solidFill>
@@ -2556,7 +2561,7 @@
             </a:ln>
             <a:extLst>
               <a:ext uri="{91240B29-F687-4f45-9708-019B960494DF}">
-                <a14:hiddenLine xmlns:a14="http://schemas.microsoft.com/office/drawing/2010/main" xmlns="" w="9525">
+                <a14:hiddenLine xmlns="" xmlns:a14="http://schemas.microsoft.com/office/drawing/2010/main" w="9525">
                   <a:solidFill>
                     <a:srgbClr val="000000"/>
                   </a:solidFill>
@@ -2646,7 +2651,7 @@
             </a:ln>
             <a:extLst>
               <a:ext uri="{91240B29-F687-4f45-9708-019B960494DF}">
-                <a14:hiddenLine xmlns:a14="http://schemas.microsoft.com/office/drawing/2010/main" xmlns="" w="9525">
+                <a14:hiddenLine xmlns="" xmlns:a14="http://schemas.microsoft.com/office/drawing/2010/main" w="9525">
                   <a:solidFill>
                     <a:srgbClr val="000000"/>
                   </a:solidFill>
@@ -2714,7 +2719,7 @@
             </a:ln>
             <a:extLst>
               <a:ext uri="{91240B29-F687-4f45-9708-019B960494DF}">
-                <a14:hiddenLine xmlns:a14="http://schemas.microsoft.com/office/drawing/2010/main" xmlns="" w="9525">
+                <a14:hiddenLine xmlns="" xmlns:a14="http://schemas.microsoft.com/office/drawing/2010/main" w="9525">
                   <a:solidFill>
                     <a:srgbClr val="000000"/>
                   </a:solidFill>
@@ -2776,7 +2781,7 @@
             </a:ln>
             <a:extLst>
               <a:ext uri="{91240B29-F687-4f45-9708-019B960494DF}">
-                <a14:hiddenLine xmlns:a14="http://schemas.microsoft.com/office/drawing/2010/main" xmlns="" w="9525">
+                <a14:hiddenLine xmlns="" xmlns:a14="http://schemas.microsoft.com/office/drawing/2010/main" w="9525">
                   <a:solidFill>
                     <a:srgbClr val="000000"/>
                   </a:solidFill>
@@ -2866,7 +2871,7 @@
             </a:ln>
             <a:extLst>
               <a:ext uri="{91240B29-F687-4f45-9708-019B960494DF}">
-                <a14:hiddenLine xmlns:a14="http://schemas.microsoft.com/office/drawing/2010/main" xmlns="" w="9525">
+                <a14:hiddenLine xmlns="" xmlns:a14="http://schemas.microsoft.com/office/drawing/2010/main" w="9525">
                   <a:solidFill>
                     <a:srgbClr val="000000"/>
                   </a:solidFill>
@@ -2928,7 +2933,7 @@
             </a:ln>
             <a:extLst>
               <a:ext uri="{91240B29-F687-4f45-9708-019B960494DF}">
-                <a14:hiddenLine xmlns:a14="http://schemas.microsoft.com/office/drawing/2010/main" xmlns="" w="9525">
+                <a14:hiddenLine xmlns="" xmlns:a14="http://schemas.microsoft.com/office/drawing/2010/main" w="9525">
                   <a:solidFill>
                     <a:srgbClr val="000000"/>
                   </a:solidFill>
@@ -3018,7 +3023,7 @@
             </a:ln>
             <a:extLst>
               <a:ext uri="{91240B29-F687-4f45-9708-019B960494DF}">
-                <a14:hiddenLine xmlns:a14="http://schemas.microsoft.com/office/drawing/2010/main" xmlns="" w="9525">
+                <a14:hiddenLine xmlns="" xmlns:a14="http://schemas.microsoft.com/office/drawing/2010/main" w="9525">
                   <a:solidFill>
                     <a:srgbClr val="000000"/>
                   </a:solidFill>
@@ -3080,7 +3085,7 @@
             </a:ln>
             <a:extLst>
               <a:ext uri="{91240B29-F687-4f45-9708-019B960494DF}">
-                <a14:hiddenLine xmlns:a14="http://schemas.microsoft.com/office/drawing/2010/main" xmlns="" w="9525">
+                <a14:hiddenLine xmlns="" xmlns:a14="http://schemas.microsoft.com/office/drawing/2010/main" w="9525">
                   <a:solidFill>
                     <a:srgbClr val="000000"/>
                   </a:solidFill>
@@ -3170,7 +3175,7 @@
             </a:ln>
             <a:extLst>
               <a:ext uri="{91240B29-F687-4f45-9708-019B960494DF}">
-                <a14:hiddenLine xmlns:a14="http://schemas.microsoft.com/office/drawing/2010/main" xmlns="" w="9525">
+                <a14:hiddenLine xmlns="" xmlns:a14="http://schemas.microsoft.com/office/drawing/2010/main" w="9525">
                   <a:solidFill>
                     <a:srgbClr val="000000"/>
                   </a:solidFill>
@@ -3204,7 +3209,7 @@
             </a:ln>
             <a:extLst>
               <a:ext uri="{91240B29-F687-4f45-9708-019B960494DF}">
-                <a14:hiddenLine xmlns:a14="http://schemas.microsoft.com/office/drawing/2010/main" xmlns="" w="9525">
+                <a14:hiddenLine xmlns="" xmlns:a14="http://schemas.microsoft.com/office/drawing/2010/main" w="9525">
                   <a:solidFill>
                     <a:srgbClr val="000000"/>
                   </a:solidFill>
@@ -3269,7 +3274,7 @@
             </a:ln>
             <a:extLst>
               <a:ext uri="{91240B29-F687-4f45-9708-019B960494DF}">
-                <a14:hiddenLine xmlns:a14="http://schemas.microsoft.com/office/drawing/2010/main" xmlns="" w="9525">
+                <a14:hiddenLine xmlns="" xmlns:a14="http://schemas.microsoft.com/office/drawing/2010/main" w="9525">
                   <a:solidFill>
                     <a:srgbClr val="000000"/>
                   </a:solidFill>
@@ -3359,7 +3364,7 @@
             </a:ln>
             <a:extLst>
               <a:ext uri="{91240B29-F687-4f45-9708-019B960494DF}">
-                <a14:hiddenLine xmlns:a14="http://schemas.microsoft.com/office/drawing/2010/main" xmlns="" w="9525">
+                <a14:hiddenLine xmlns="" xmlns:a14="http://schemas.microsoft.com/office/drawing/2010/main" w="9525">
                   <a:solidFill>
                     <a:srgbClr val="000000"/>
                   </a:solidFill>
@@ -3421,7 +3426,7 @@
             </a:ln>
             <a:extLst>
               <a:ext uri="{91240B29-F687-4f45-9708-019B960494DF}">
-                <a14:hiddenLine xmlns:a14="http://schemas.microsoft.com/office/drawing/2010/main" xmlns="" w="9525">
+                <a14:hiddenLine xmlns="" xmlns:a14="http://schemas.microsoft.com/office/drawing/2010/main" w="9525">
                   <a:solidFill>
                     <a:srgbClr val="000000"/>
                   </a:solidFill>
@@ -3511,7 +3516,7 @@
             </a:ln>
             <a:extLst>
               <a:ext uri="{91240B29-F687-4f45-9708-019B960494DF}">
-                <a14:hiddenLine xmlns:a14="http://schemas.microsoft.com/office/drawing/2010/main" xmlns="" w="9525">
+                <a14:hiddenLine xmlns="" xmlns:a14="http://schemas.microsoft.com/office/drawing/2010/main" w="9525">
                   <a:solidFill>
                     <a:srgbClr val="000000"/>
                   </a:solidFill>
@@ -3601,7 +3606,7 @@
             </a:ln>
             <a:extLst>
               <a:ext uri="{91240B29-F687-4f45-9708-019B960494DF}">
-                <a14:hiddenLine xmlns:a14="http://schemas.microsoft.com/office/drawing/2010/main" xmlns="" w="9525">
+                <a14:hiddenLine xmlns="" xmlns:a14="http://schemas.microsoft.com/office/drawing/2010/main" w="9525">
                   <a:solidFill>
                     <a:srgbClr val="000000"/>
                   </a:solidFill>
@@ -3666,7 +3671,7 @@
             </a:ln>
             <a:extLst>
               <a:ext uri="{91240B29-F687-4f45-9708-019B960494DF}">
-                <a14:hiddenLine xmlns:a14="http://schemas.microsoft.com/office/drawing/2010/main" xmlns="" w="9525">
+                <a14:hiddenLine xmlns="" xmlns:a14="http://schemas.microsoft.com/office/drawing/2010/main" w="9525">
                   <a:solidFill>
                     <a:srgbClr val="000000"/>
                   </a:solidFill>
@@ -3728,7 +3733,7 @@
             </a:ln>
             <a:extLst>
               <a:ext uri="{91240B29-F687-4f45-9708-019B960494DF}">
-                <a14:hiddenLine xmlns:a14="http://schemas.microsoft.com/office/drawing/2010/main" xmlns="" w="9525">
+                <a14:hiddenLine xmlns="" xmlns:a14="http://schemas.microsoft.com/office/drawing/2010/main" w="9525">
                   <a:solidFill>
                     <a:srgbClr val="000000"/>
                   </a:solidFill>
@@ -3818,7 +3823,7 @@
             </a:ln>
             <a:extLst>
               <a:ext uri="{91240B29-F687-4f45-9708-019B960494DF}">
-                <a14:hiddenLine xmlns:a14="http://schemas.microsoft.com/office/drawing/2010/main" xmlns="" w="9525">
+                <a14:hiddenLine xmlns="" xmlns:a14="http://schemas.microsoft.com/office/drawing/2010/main" w="9525">
                   <a:solidFill>
                     <a:srgbClr val="000000"/>
                   </a:solidFill>
@@ -3908,7 +3913,7 @@
             </a:ln>
             <a:extLst>
               <a:ext uri="{91240B29-F687-4f45-9708-019B960494DF}">
-                <a14:hiddenLine xmlns:a14="http://schemas.microsoft.com/office/drawing/2010/main" xmlns="" w="9525">
+                <a14:hiddenLine xmlns="" xmlns:a14="http://schemas.microsoft.com/office/drawing/2010/main" w="9525">
                   <a:solidFill>
                     <a:srgbClr val="000000"/>
                   </a:solidFill>
@@ -3970,7 +3975,7 @@
             </a:ln>
             <a:extLst>
               <a:ext uri="{91240B29-F687-4f45-9708-019B960494DF}">
-                <a14:hiddenLine xmlns:a14="http://schemas.microsoft.com/office/drawing/2010/main" xmlns="" w="9525">
+                <a14:hiddenLine xmlns="" xmlns:a14="http://schemas.microsoft.com/office/drawing/2010/main" w="9525">
                   <a:solidFill>
                     <a:srgbClr val="000000"/>
                   </a:solidFill>
@@ -4090,7 +4095,7 @@
             </a:ln>
             <a:extLst>
               <a:ext uri="{91240B29-F687-4f45-9708-019B960494DF}">
-                <a14:hiddenLine xmlns:a14="http://schemas.microsoft.com/office/drawing/2010/main" xmlns="" w="9525">
+                <a14:hiddenLine xmlns="" xmlns:a14="http://schemas.microsoft.com/office/drawing/2010/main" w="9525">
                   <a:solidFill>
                     <a:srgbClr val="000000"/>
                   </a:solidFill>
@@ -4158,7 +4163,7 @@
             </a:ln>
             <a:extLst>
               <a:ext uri="{91240B29-F687-4f45-9708-019B960494DF}">
-                <a14:hiddenLine xmlns:a14="http://schemas.microsoft.com/office/drawing/2010/main" xmlns="" w="9525">
+                <a14:hiddenLine xmlns="" xmlns:a14="http://schemas.microsoft.com/office/drawing/2010/main" w="9525">
                   <a:solidFill>
                     <a:srgbClr val="000000"/>
                   </a:solidFill>
@@ -4248,7 +4253,7 @@
             </a:ln>
             <a:extLst>
               <a:ext uri="{91240B29-F687-4f45-9708-019B960494DF}">
-                <a14:hiddenLine xmlns:a14="http://schemas.microsoft.com/office/drawing/2010/main" xmlns="" w="9525">
+                <a14:hiddenLine xmlns="" xmlns:a14="http://schemas.microsoft.com/office/drawing/2010/main" w="9525">
                   <a:solidFill>
                     <a:srgbClr val="000000"/>
                   </a:solidFill>
@@ -4388,7 +4393,7 @@
           <a:p>
             <a:fld id="{21E10248-9049-9A41-B5DC-B5D12CC782A1}" type="datetimeFigureOut">
               <a:rPr kumimoji="1" lang="zh-CN" altLang="en-US" smtClean="0"/>
-              <a:t>2018/3/25</a:t>
+              <a:t>2018/4/5</a:t>
             </a:fld>
             <a:endParaRPr kumimoji="1" lang="zh-CN" altLang="en-US"/>
           </a:p>
@@ -4655,7 +4660,7 @@
           <a:p>
             <a:fld id="{21E10248-9049-9A41-B5DC-B5D12CC782A1}" type="datetimeFigureOut">
               <a:rPr kumimoji="1" lang="zh-CN" altLang="en-US" smtClean="0"/>
-              <a:t>2018/3/25</a:t>
+              <a:t>2018/4/5</a:t>
             </a:fld>
             <a:endParaRPr kumimoji="1" lang="zh-CN" altLang="en-US"/>
           </a:p>
@@ -4851,7 +4856,7 @@
           <a:p>
             <a:fld id="{21E10248-9049-9A41-B5DC-B5D12CC782A1}" type="datetimeFigureOut">
               <a:rPr kumimoji="1" lang="zh-CN" altLang="en-US" smtClean="0"/>
-              <a:t>2018/3/25</a:t>
+              <a:t>2018/4/5</a:t>
             </a:fld>
             <a:endParaRPr kumimoji="1" lang="zh-CN" altLang="en-US"/>
           </a:p>
@@ -5114,7 +5119,7 @@
           <a:p>
             <a:fld id="{21E10248-9049-9A41-B5DC-B5D12CC782A1}" type="datetimeFigureOut">
               <a:rPr kumimoji="1" lang="zh-CN" altLang="en-US" smtClean="0"/>
-              <a:t>2018/3/25</a:t>
+              <a:t>2018/4/5</a:t>
             </a:fld>
             <a:endParaRPr kumimoji="1" lang="zh-CN" altLang="en-US"/>
           </a:p>
@@ -5548,7 +5553,7 @@
           <a:p>
             <a:fld id="{21E10248-9049-9A41-B5DC-B5D12CC782A1}" type="datetimeFigureOut">
               <a:rPr kumimoji="1" lang="zh-CN" altLang="en-US" smtClean="0"/>
-              <a:t>2018/3/25</a:t>
+              <a:t>2018/4/5</a:t>
             </a:fld>
             <a:endParaRPr kumimoji="1" lang="zh-CN" altLang="en-US"/>
           </a:p>
@@ -6094,7 +6099,7 @@
           <a:p>
             <a:fld id="{21E10248-9049-9A41-B5DC-B5D12CC782A1}" type="datetimeFigureOut">
               <a:rPr kumimoji="1" lang="zh-CN" altLang="en-US" smtClean="0"/>
-              <a:t>2018/3/25</a:t>
+              <a:t>2018/4/5</a:t>
             </a:fld>
             <a:endParaRPr kumimoji="1" lang="zh-CN" altLang="en-US"/>
           </a:p>
@@ -6814,7 +6819,7 @@
           <a:p>
             <a:fld id="{21E10248-9049-9A41-B5DC-B5D12CC782A1}" type="datetimeFigureOut">
               <a:rPr kumimoji="1" lang="zh-CN" altLang="en-US" smtClean="0"/>
-              <a:t>2018/3/25</a:t>
+              <a:t>2018/4/5</a:t>
             </a:fld>
             <a:endParaRPr kumimoji="1" lang="zh-CN" altLang="en-US"/>
           </a:p>
@@ -6984,7 +6989,7 @@
           <a:p>
             <a:fld id="{21E10248-9049-9A41-B5DC-B5D12CC782A1}" type="datetimeFigureOut">
               <a:rPr kumimoji="1" lang="zh-CN" altLang="en-US" smtClean="0"/>
-              <a:t>2018/3/25</a:t>
+              <a:t>2018/4/5</a:t>
             </a:fld>
             <a:endParaRPr kumimoji="1" lang="zh-CN" altLang="en-US"/>
           </a:p>
@@ -7164,7 +7169,7 @@
           <a:p>
             <a:fld id="{21E10248-9049-9A41-B5DC-B5D12CC782A1}" type="datetimeFigureOut">
               <a:rPr kumimoji="1" lang="zh-CN" altLang="en-US" smtClean="0"/>
-              <a:t>2018/3/25</a:t>
+              <a:t>2018/4/5</a:t>
             </a:fld>
             <a:endParaRPr kumimoji="1" lang="zh-CN" altLang="en-US"/>
           </a:p>
@@ -7334,7 +7339,7 @@
           <a:p>
             <a:fld id="{21E10248-9049-9A41-B5DC-B5D12CC782A1}" type="datetimeFigureOut">
               <a:rPr kumimoji="1" lang="zh-CN" altLang="en-US" smtClean="0"/>
-              <a:t>2018/3/25</a:t>
+              <a:t>2018/4/5</a:t>
             </a:fld>
             <a:endParaRPr kumimoji="1" lang="zh-CN" altLang="en-US"/>
           </a:p>
@@ -7584,7 +7589,7 @@
           <a:p>
             <a:fld id="{21E10248-9049-9A41-B5DC-B5D12CC782A1}" type="datetimeFigureOut">
               <a:rPr kumimoji="1" lang="zh-CN" altLang="en-US" smtClean="0"/>
-              <a:t>2018/3/25</a:t>
+              <a:t>2018/4/5</a:t>
             </a:fld>
             <a:endParaRPr kumimoji="1" lang="zh-CN" altLang="en-US"/>
           </a:p>
@@ -7816,7 +7821,7 @@
           <a:p>
             <a:fld id="{21E10248-9049-9A41-B5DC-B5D12CC782A1}" type="datetimeFigureOut">
               <a:rPr kumimoji="1" lang="zh-CN" altLang="en-US" smtClean="0"/>
-              <a:t>2018/3/25</a:t>
+              <a:t>2018/4/5</a:t>
             </a:fld>
             <a:endParaRPr kumimoji="1" lang="zh-CN" altLang="en-US"/>
           </a:p>
@@ -8197,7 +8202,7 @@
           <a:p>
             <a:fld id="{21E10248-9049-9A41-B5DC-B5D12CC782A1}" type="datetimeFigureOut">
               <a:rPr kumimoji="1" lang="zh-CN" altLang="en-US" smtClean="0"/>
-              <a:t>2018/3/25</a:t>
+              <a:t>2018/4/5</a:t>
             </a:fld>
             <a:endParaRPr kumimoji="1" lang="zh-CN" altLang="en-US"/>
           </a:p>
@@ -8315,7 +8320,7 @@
           <a:p>
             <a:fld id="{21E10248-9049-9A41-B5DC-B5D12CC782A1}" type="datetimeFigureOut">
               <a:rPr kumimoji="1" lang="zh-CN" altLang="en-US" smtClean="0"/>
-              <a:t>2018/3/25</a:t>
+              <a:t>2018/4/5</a:t>
             </a:fld>
             <a:endParaRPr kumimoji="1" lang="zh-CN" altLang="en-US"/>
           </a:p>
@@ -8410,7 +8415,7 @@
           <a:p>
             <a:fld id="{21E10248-9049-9A41-B5DC-B5D12CC782A1}" type="datetimeFigureOut">
               <a:rPr kumimoji="1" lang="zh-CN" altLang="en-US" smtClean="0"/>
-              <a:t>2018/3/25</a:t>
+              <a:t>2018/4/5</a:t>
             </a:fld>
             <a:endParaRPr kumimoji="1" lang="zh-CN" altLang="en-US"/>
           </a:p>
@@ -8659,7 +8664,7 @@
           <a:p>
             <a:fld id="{21E10248-9049-9A41-B5DC-B5D12CC782A1}" type="datetimeFigureOut">
               <a:rPr kumimoji="1" lang="zh-CN" altLang="en-US" smtClean="0"/>
-              <a:t>2018/3/25</a:t>
+              <a:t>2018/4/5</a:t>
             </a:fld>
             <a:endParaRPr kumimoji="1" lang="zh-CN" altLang="en-US"/>
           </a:p>
@@ -8939,7 +8944,7 @@
           <a:p>
             <a:fld id="{21E10248-9049-9A41-B5DC-B5D12CC782A1}" type="datetimeFigureOut">
               <a:rPr kumimoji="1" lang="zh-CN" altLang="en-US" smtClean="0"/>
-              <a:t>2018/3/25</a:t>
+              <a:t>2018/4/5</a:t>
             </a:fld>
             <a:endParaRPr kumimoji="1" lang="zh-CN" altLang="en-US"/>
           </a:p>
@@ -9060,7 +9065,7 @@
           <a:noFill/>
           <a:extLst>
             <a:ext uri="{909E8E84-426E-40dd-AFC4-6F175D3DCCD1}">
-              <a14:hiddenFill xmlns:a14="http://schemas.microsoft.com/office/drawing/2010/main" xmlns="">
+              <a14:hiddenFill xmlns="" xmlns:a14="http://schemas.microsoft.com/office/drawing/2010/main">
                 <a:solidFill>
                   <a:srgbClr val="FFFFFF"/>
                 </a:solidFill>
@@ -9134,7 +9139,7 @@
               </a:ln>
               <a:extLst>
                 <a:ext uri="{91240B29-F687-4f45-9708-019B960494DF}">
-                  <a14:hiddenLine xmlns:a14="http://schemas.microsoft.com/office/drawing/2010/main" xmlns="" w="9525">
+                  <a14:hiddenLine xmlns="" xmlns:a14="http://schemas.microsoft.com/office/drawing/2010/main" w="9525">
                     <a:solidFill>
                       <a:srgbClr val="000000"/>
                     </a:solidFill>
@@ -9224,7 +9229,7 @@
               </a:ln>
               <a:extLst>
                 <a:ext uri="{91240B29-F687-4f45-9708-019B960494DF}">
-                  <a14:hiddenLine xmlns:a14="http://schemas.microsoft.com/office/drawing/2010/main" xmlns="" w="9525">
+                  <a14:hiddenLine xmlns="" xmlns:a14="http://schemas.microsoft.com/office/drawing/2010/main" w="9525">
                     <a:solidFill>
                       <a:srgbClr val="000000"/>
                     </a:solidFill>
@@ -9314,7 +9319,7 @@
               </a:ln>
               <a:extLst>
                 <a:ext uri="{91240B29-F687-4f45-9708-019B960494DF}">
-                  <a14:hiddenLine xmlns:a14="http://schemas.microsoft.com/office/drawing/2010/main" xmlns="" w="9525">
+                  <a14:hiddenLine xmlns="" xmlns:a14="http://schemas.microsoft.com/office/drawing/2010/main" w="9525">
                     <a:solidFill>
                       <a:srgbClr val="000000"/>
                     </a:solidFill>
@@ -9376,7 +9381,7 @@
               </a:ln>
               <a:extLst>
                 <a:ext uri="{91240B29-F687-4f45-9708-019B960494DF}">
-                  <a14:hiddenLine xmlns:a14="http://schemas.microsoft.com/office/drawing/2010/main" xmlns="" w="9525">
+                  <a14:hiddenLine xmlns="" xmlns:a14="http://schemas.microsoft.com/office/drawing/2010/main" w="9525">
                     <a:solidFill>
                       <a:srgbClr val="000000"/>
                     </a:solidFill>
@@ -9466,7 +9471,7 @@
               </a:ln>
               <a:extLst>
                 <a:ext uri="{91240B29-F687-4f45-9708-019B960494DF}">
-                  <a14:hiddenLine xmlns:a14="http://schemas.microsoft.com/office/drawing/2010/main" xmlns="" w="9525">
+                  <a14:hiddenLine xmlns="" xmlns:a14="http://schemas.microsoft.com/office/drawing/2010/main" w="9525">
                     <a:solidFill>
                       <a:srgbClr val="000000"/>
                     </a:solidFill>
@@ -9528,7 +9533,7 @@
               </a:ln>
               <a:extLst>
                 <a:ext uri="{91240B29-F687-4f45-9708-019B960494DF}">
-                  <a14:hiddenLine xmlns:a14="http://schemas.microsoft.com/office/drawing/2010/main" xmlns="" w="9525">
+                  <a14:hiddenLine xmlns="" xmlns:a14="http://schemas.microsoft.com/office/drawing/2010/main" w="9525">
                     <a:solidFill>
                       <a:srgbClr val="000000"/>
                     </a:solidFill>
@@ -9590,7 +9595,7 @@
               </a:ln>
               <a:extLst>
                 <a:ext uri="{91240B29-F687-4f45-9708-019B960494DF}">
-                  <a14:hiddenLine xmlns:a14="http://schemas.microsoft.com/office/drawing/2010/main" xmlns="" w="9525">
+                  <a14:hiddenLine xmlns="" xmlns:a14="http://schemas.microsoft.com/office/drawing/2010/main" w="9525">
                     <a:solidFill>
                       <a:srgbClr val="000000"/>
                     </a:solidFill>
@@ -9680,7 +9685,7 @@
               </a:ln>
               <a:extLst>
                 <a:ext uri="{91240B29-F687-4f45-9708-019B960494DF}">
-                  <a14:hiddenLine xmlns:a14="http://schemas.microsoft.com/office/drawing/2010/main" xmlns="" w="9525">
+                  <a14:hiddenLine xmlns="" xmlns:a14="http://schemas.microsoft.com/office/drawing/2010/main" w="9525">
                     <a:solidFill>
                       <a:srgbClr val="000000"/>
                     </a:solidFill>
@@ -9770,7 +9775,7 @@
               </a:ln>
               <a:extLst>
                 <a:ext uri="{91240B29-F687-4f45-9708-019B960494DF}">
-                  <a14:hiddenLine xmlns:a14="http://schemas.microsoft.com/office/drawing/2010/main" xmlns="" w="9525">
+                  <a14:hiddenLine xmlns="" xmlns:a14="http://schemas.microsoft.com/office/drawing/2010/main" w="9525">
                     <a:solidFill>
                       <a:srgbClr val="000000"/>
                     </a:solidFill>
@@ -9832,7 +9837,7 @@
               </a:ln>
               <a:extLst>
                 <a:ext uri="{91240B29-F687-4f45-9708-019B960494DF}">
-                  <a14:hiddenLine xmlns:a14="http://schemas.microsoft.com/office/drawing/2010/main" xmlns="" w="9525">
+                  <a14:hiddenLine xmlns="" xmlns:a14="http://schemas.microsoft.com/office/drawing/2010/main" w="9525">
                     <a:solidFill>
                       <a:srgbClr val="000000"/>
                     </a:solidFill>
@@ -9942,7 +9947,7 @@
               </a:ln>
               <a:extLst>
                 <a:ext uri="{91240B29-F687-4f45-9708-019B960494DF}">
-                  <a14:hiddenLine xmlns:a14="http://schemas.microsoft.com/office/drawing/2010/main" xmlns="" w="9525">
+                  <a14:hiddenLine xmlns="" xmlns:a14="http://schemas.microsoft.com/office/drawing/2010/main" w="9525">
                     <a:solidFill>
                       <a:srgbClr val="000000"/>
                     </a:solidFill>
@@ -10026,7 +10031,7 @@
               </a:ln>
               <a:extLst>
                 <a:ext uri="{91240B29-F687-4f45-9708-019B960494DF}">
-                  <a14:hiddenLine xmlns:a14="http://schemas.microsoft.com/office/drawing/2010/main" xmlns="" w="9525">
+                  <a14:hiddenLine xmlns="" xmlns:a14="http://schemas.microsoft.com/office/drawing/2010/main" w="9525">
                     <a:solidFill>
                       <a:srgbClr val="000000"/>
                     </a:solidFill>
@@ -10088,7 +10093,7 @@
               </a:ln>
               <a:extLst>
                 <a:ext uri="{91240B29-F687-4f45-9708-019B960494DF}">
-                  <a14:hiddenLine xmlns:a14="http://schemas.microsoft.com/office/drawing/2010/main" xmlns="" w="9525">
+                  <a14:hiddenLine xmlns="" xmlns:a14="http://schemas.microsoft.com/office/drawing/2010/main" w="9525">
                     <a:solidFill>
                       <a:srgbClr val="000000"/>
                     </a:solidFill>
@@ -10150,7 +10155,7 @@
               </a:ln>
               <a:extLst>
                 <a:ext uri="{91240B29-F687-4f45-9708-019B960494DF}">
-                  <a14:hiddenLine xmlns:a14="http://schemas.microsoft.com/office/drawing/2010/main" xmlns="" w="9525">
+                  <a14:hiddenLine xmlns="" xmlns:a14="http://schemas.microsoft.com/office/drawing/2010/main" w="9525">
                     <a:solidFill>
                       <a:srgbClr val="000000"/>
                     </a:solidFill>
@@ -10240,7 +10245,7 @@
               </a:ln>
               <a:extLst>
                 <a:ext uri="{91240B29-F687-4f45-9708-019B960494DF}">
-                  <a14:hiddenLine xmlns:a14="http://schemas.microsoft.com/office/drawing/2010/main" xmlns="" w="9525">
+                  <a14:hiddenLine xmlns="" xmlns:a14="http://schemas.microsoft.com/office/drawing/2010/main" w="9525">
                     <a:solidFill>
                       <a:srgbClr val="000000"/>
                     </a:solidFill>
@@ -10274,7 +10279,7 @@
               </a:ln>
               <a:extLst>
                 <a:ext uri="{91240B29-F687-4f45-9708-019B960494DF}">
-                  <a14:hiddenLine xmlns:a14="http://schemas.microsoft.com/office/drawing/2010/main" xmlns="" w="9525">
+                  <a14:hiddenLine xmlns="" xmlns:a14="http://schemas.microsoft.com/office/drawing/2010/main" w="9525">
                     <a:solidFill>
                       <a:srgbClr val="000000"/>
                     </a:solidFill>
@@ -10339,7 +10344,7 @@
               </a:ln>
               <a:extLst>
                 <a:ext uri="{91240B29-F687-4f45-9708-019B960494DF}">
-                  <a14:hiddenLine xmlns:a14="http://schemas.microsoft.com/office/drawing/2010/main" xmlns="" w="9525">
+                  <a14:hiddenLine xmlns="" xmlns:a14="http://schemas.microsoft.com/office/drawing/2010/main" w="9525">
                     <a:solidFill>
                       <a:srgbClr val="000000"/>
                     </a:solidFill>
@@ -10429,7 +10434,7 @@
               </a:ln>
               <a:extLst>
                 <a:ext uri="{91240B29-F687-4f45-9708-019B960494DF}">
-                  <a14:hiddenLine xmlns:a14="http://schemas.microsoft.com/office/drawing/2010/main" xmlns="" w="9525">
+                  <a14:hiddenLine xmlns="" xmlns:a14="http://schemas.microsoft.com/office/drawing/2010/main" w="9525">
                     <a:solidFill>
                       <a:srgbClr val="000000"/>
                     </a:solidFill>
@@ -10491,7 +10496,7 @@
               </a:ln>
               <a:extLst>
                 <a:ext uri="{91240B29-F687-4f45-9708-019B960494DF}">
-                  <a14:hiddenLine xmlns:a14="http://schemas.microsoft.com/office/drawing/2010/main" xmlns="" w="9525">
+                  <a14:hiddenLine xmlns="" xmlns:a14="http://schemas.microsoft.com/office/drawing/2010/main" w="9525">
                     <a:solidFill>
                       <a:srgbClr val="000000"/>
                     </a:solidFill>
@@ -10581,7 +10586,7 @@
               </a:ln>
               <a:extLst>
                 <a:ext uri="{91240B29-F687-4f45-9708-019B960494DF}">
-                  <a14:hiddenLine xmlns:a14="http://schemas.microsoft.com/office/drawing/2010/main" xmlns="" w="9525">
+                  <a14:hiddenLine xmlns="" xmlns:a14="http://schemas.microsoft.com/office/drawing/2010/main" w="9525">
                     <a:solidFill>
                       <a:srgbClr val="000000"/>
                     </a:solidFill>
@@ -10646,7 +10651,7 @@
               </a:ln>
               <a:extLst>
                 <a:ext uri="{91240B29-F687-4f45-9708-019B960494DF}">
-                  <a14:hiddenLine xmlns:a14="http://schemas.microsoft.com/office/drawing/2010/main" xmlns="" w="9525">
+                  <a14:hiddenLine xmlns="" xmlns:a14="http://schemas.microsoft.com/office/drawing/2010/main" w="9525">
                     <a:solidFill>
                       <a:srgbClr val="000000"/>
                     </a:solidFill>
@@ -10708,7 +10713,7 @@
               </a:ln>
               <a:extLst>
                 <a:ext uri="{91240B29-F687-4f45-9708-019B960494DF}">
-                  <a14:hiddenLine xmlns:a14="http://schemas.microsoft.com/office/drawing/2010/main" xmlns="" w="9525">
+                  <a14:hiddenLine xmlns="" xmlns:a14="http://schemas.microsoft.com/office/drawing/2010/main" w="9525">
                     <a:solidFill>
                       <a:srgbClr val="000000"/>
                     </a:solidFill>
@@ -10798,7 +10803,7 @@
               </a:ln>
               <a:extLst>
                 <a:ext uri="{91240B29-F687-4f45-9708-019B960494DF}">
-                  <a14:hiddenLine xmlns:a14="http://schemas.microsoft.com/office/drawing/2010/main" xmlns="" w="9525">
+                  <a14:hiddenLine xmlns="" xmlns:a14="http://schemas.microsoft.com/office/drawing/2010/main" w="9525">
                     <a:solidFill>
                       <a:srgbClr val="000000"/>
                     </a:solidFill>
@@ -10888,7 +10893,7 @@
               </a:ln>
               <a:extLst>
                 <a:ext uri="{91240B29-F687-4f45-9708-019B960494DF}">
-                  <a14:hiddenLine xmlns:a14="http://schemas.microsoft.com/office/drawing/2010/main" xmlns="" w="9525">
+                  <a14:hiddenLine xmlns="" xmlns:a14="http://schemas.microsoft.com/office/drawing/2010/main" w="9525">
                     <a:solidFill>
                       <a:srgbClr val="000000"/>
                     </a:solidFill>
@@ -10953,7 +10958,7 @@
               </a:ln>
               <a:extLst>
                 <a:ext uri="{91240B29-F687-4f45-9708-019B960494DF}">
-                  <a14:hiddenLine xmlns:a14="http://schemas.microsoft.com/office/drawing/2010/main" xmlns="" w="9525">
+                  <a14:hiddenLine xmlns="" xmlns:a14="http://schemas.microsoft.com/office/drawing/2010/main" w="9525">
                     <a:solidFill>
                       <a:srgbClr val="000000"/>
                     </a:solidFill>
@@ -11073,7 +11078,7 @@
               </a:ln>
               <a:extLst>
                 <a:ext uri="{91240B29-F687-4f45-9708-019B960494DF}">
-                  <a14:hiddenLine xmlns:a14="http://schemas.microsoft.com/office/drawing/2010/main" xmlns="" w="9525">
+                  <a14:hiddenLine xmlns="" xmlns:a14="http://schemas.microsoft.com/office/drawing/2010/main" w="9525">
                     <a:solidFill>
                       <a:srgbClr val="000000"/>
                     </a:solidFill>
@@ -11171,7 +11176,7 @@
               </a:ln>
               <a:extLst>
                 <a:ext uri="{91240B29-F687-4f45-9708-019B960494DF}">
-                  <a14:hiddenLine xmlns:a14="http://schemas.microsoft.com/office/drawing/2010/main" xmlns="" w="9525">
+                  <a14:hiddenLine xmlns="" xmlns:a14="http://schemas.microsoft.com/office/drawing/2010/main" w="9525">
                     <a:solidFill>
                       <a:srgbClr val="000000"/>
                     </a:solidFill>
@@ -11286,7 +11291,7 @@
               </a:ln>
               <a:extLst>
                 <a:ext uri="{91240B29-F687-4f45-9708-019B960494DF}">
-                  <a14:hiddenLine xmlns:a14="http://schemas.microsoft.com/office/drawing/2010/main" xmlns="" w="9525">
+                  <a14:hiddenLine xmlns="" xmlns:a14="http://schemas.microsoft.com/office/drawing/2010/main" w="9525">
                     <a:solidFill>
                       <a:srgbClr val="000000"/>
                     </a:solidFill>
@@ -11376,7 +11381,7 @@
               </a:ln>
               <a:extLst>
                 <a:ext uri="{91240B29-F687-4f45-9708-019B960494DF}">
-                  <a14:hiddenLine xmlns:a14="http://schemas.microsoft.com/office/drawing/2010/main" xmlns="" w="9525">
+                  <a14:hiddenLine xmlns="" xmlns:a14="http://schemas.microsoft.com/office/drawing/2010/main" w="9525">
                     <a:solidFill>
                       <a:srgbClr val="000000"/>
                     </a:solidFill>
@@ -11441,7 +11446,7 @@
               </a:ln>
               <a:extLst>
                 <a:ext uri="{91240B29-F687-4f45-9708-019B960494DF}">
-                  <a14:hiddenLine xmlns:a14="http://schemas.microsoft.com/office/drawing/2010/main" xmlns="" w="9525">
+                  <a14:hiddenLine xmlns="" xmlns:a14="http://schemas.microsoft.com/office/drawing/2010/main" w="9525">
                     <a:solidFill>
                       <a:srgbClr val="000000"/>
                     </a:solidFill>
@@ -11531,7 +11536,7 @@
               </a:ln>
               <a:extLst>
                 <a:ext uri="{91240B29-F687-4f45-9708-019B960494DF}">
-                  <a14:hiddenLine xmlns:a14="http://schemas.microsoft.com/office/drawing/2010/main" xmlns="" w="9525">
+                  <a14:hiddenLine xmlns="" xmlns:a14="http://schemas.microsoft.com/office/drawing/2010/main" w="9525">
                     <a:solidFill>
                       <a:srgbClr val="000000"/>
                     </a:solidFill>
@@ -11599,7 +11604,7 @@
               </a:ln>
               <a:extLst>
                 <a:ext uri="{91240B29-F687-4f45-9708-019B960494DF}">
-                  <a14:hiddenLine xmlns:a14="http://schemas.microsoft.com/office/drawing/2010/main" xmlns="" w="9525">
+                  <a14:hiddenLine xmlns="" xmlns:a14="http://schemas.microsoft.com/office/drawing/2010/main" w="9525">
                     <a:solidFill>
                       <a:srgbClr val="000000"/>
                     </a:solidFill>
@@ -11689,7 +11694,7 @@
               </a:ln>
               <a:extLst>
                 <a:ext uri="{91240B29-F687-4f45-9708-019B960494DF}">
-                  <a14:hiddenLine xmlns:a14="http://schemas.microsoft.com/office/drawing/2010/main" xmlns="" w="9525">
+                  <a14:hiddenLine xmlns="" xmlns:a14="http://schemas.microsoft.com/office/drawing/2010/main" w="9525">
                     <a:solidFill>
                       <a:srgbClr val="000000"/>
                     </a:solidFill>
@@ -11757,7 +11762,7 @@
               </a:ln>
               <a:extLst>
                 <a:ext uri="{91240B29-F687-4f45-9708-019B960494DF}">
-                  <a14:hiddenLine xmlns:a14="http://schemas.microsoft.com/office/drawing/2010/main" xmlns="" w="9525">
+                  <a14:hiddenLine xmlns="" xmlns:a14="http://schemas.microsoft.com/office/drawing/2010/main" w="9525">
                     <a:solidFill>
                       <a:srgbClr val="000000"/>
                     </a:solidFill>
@@ -11847,7 +11852,7 @@
               </a:ln>
               <a:extLst>
                 <a:ext uri="{91240B29-F687-4f45-9708-019B960494DF}">
-                  <a14:hiddenLine xmlns:a14="http://schemas.microsoft.com/office/drawing/2010/main" xmlns="" w="9525">
+                  <a14:hiddenLine xmlns="" xmlns:a14="http://schemas.microsoft.com/office/drawing/2010/main" w="9525">
                     <a:solidFill>
                       <a:srgbClr val="000000"/>
                     </a:solidFill>
@@ -11881,7 +11886,7 @@
               </a:ln>
               <a:extLst>
                 <a:ext uri="{91240B29-F687-4f45-9708-019B960494DF}">
-                  <a14:hiddenLine xmlns:a14="http://schemas.microsoft.com/office/drawing/2010/main" xmlns="" w="9525">
+                  <a14:hiddenLine xmlns="" xmlns:a14="http://schemas.microsoft.com/office/drawing/2010/main" w="9525">
                     <a:solidFill>
                       <a:srgbClr val="000000"/>
                     </a:solidFill>
@@ -12021,7 +12026,7 @@
           <a:p>
             <a:fld id="{21E10248-9049-9A41-B5DC-B5D12CC782A1}" type="datetimeFigureOut">
               <a:rPr kumimoji="1" lang="zh-CN" altLang="en-US" smtClean="0"/>
-              <a:t>2018/3/25</a:t>
+              <a:t>2018/4/5</a:t>
             </a:fld>
             <a:endParaRPr kumimoji="1" lang="zh-CN" altLang="en-US"/>
           </a:p>
@@ -12491,7 +12496,11 @@
           <a:bodyPr/>
           <a:lstStyle/>
           <a:p>
-            <a:endParaRPr kumimoji="1" lang="zh-CN" altLang="en-US"/>
+            <a:r>
+              <a:rPr kumimoji="1" lang="zh-Hans" altLang="en-US"/>
+              <a:t>作者：林肯</a:t>
+            </a:r>
+            <a:endParaRPr kumimoji="1" lang="zh-CN" altLang="en-US" dirty="0"/>
           </a:p>
         </p:txBody>
       </p:sp>
@@ -12976,7 +12985,9 @@
         </p:nvSpPr>
         <p:spPr/>
         <p:txBody>
-          <a:bodyPr/>
+          <a:bodyPr>
+            <a:normAutofit lnSpcReduction="10000"/>
+          </a:bodyPr>
           <a:lstStyle/>
           <a:p>
             <a:r>
